--- a/src/kimsiyoon/p20190401/Ajax.pptx
+++ b/src/kimsiyoon/p20190401/Ajax.pptx
@@ -4339,11 +4339,7 @@
             </a:r>
             <a:r>
               <a:rPr lang="ko-KR" altLang="en-US" sz="2400" dirty="0" smtClean="0"/>
-              <a:t> </a:t>
-            </a:r>
-            <a:r>
-              <a:rPr lang="ko-KR" altLang="en-US" sz="2400" dirty="0" smtClean="0"/>
-              <a:t>웹 애플리케이션의 제작을 위해 아래와 같은 </a:t>
+              <a:t> 웹 애플리케이션의 제작을 위해 아래와 같은 </a:t>
             </a:r>
             <a:r>
               <a:rPr lang="ko-KR" altLang="en-US" sz="2400" b="1" dirty="0" smtClean="0"/>
@@ -4351,11 +4347,7 @@
             </a:r>
             <a:r>
               <a:rPr lang="ko-KR" altLang="en-US" sz="2400" dirty="0" smtClean="0"/>
-              <a:t>을 이용하는 웹 개발 </a:t>
-            </a:r>
-            <a:r>
-              <a:rPr lang="ko-KR" altLang="en-US" sz="2400" dirty="0" smtClean="0"/>
-              <a:t>기법</a:t>
+              <a:t>을 이용하는 웹 개발 기법</a:t>
             </a:r>
             <a:endParaRPr lang="en-US" altLang="ko-KR" sz="2400" dirty="0" smtClean="0"/>
           </a:p>
@@ -4440,7 +4432,15 @@
             </a:pPr>
             <a:r>
               <a:rPr lang="ko-KR" altLang="en-US" sz="2400" dirty="0" smtClean="0"/>
-              <a:t>웹 서버와 비동기적으로 데이터를 교환하고 조작하기 위한 </a:t>
+              <a:t>웹 서버와 비동기적으로 데이터를 교환하고 조작하기 </a:t>
+            </a:r>
+            <a:r>
+              <a:rPr lang="ko-KR" altLang="en-US" sz="2400" dirty="0" smtClean="0"/>
+              <a:t>한</a:t>
+            </a:r>
+            <a:r>
+              <a:rPr lang="ko-KR" altLang="en-US" sz="2400" dirty="0" smtClean="0"/>
+              <a:t> </a:t>
             </a:r>
             <a:r>
               <a:rPr lang="en-US" altLang="ko-KR" sz="2400" dirty="0" smtClean="0"/>
@@ -4811,8 +4811,17 @@
             </a:r>
             <a:r>
               <a:rPr lang="ko-KR" altLang="en-US" sz="2400" dirty="0"/>
-              <a:t> 통신으로 인한 보안상의 문제</a:t>
-            </a:r>
+              <a:t> 통신으로 인한 보안상의 </a:t>
+            </a:r>
+            <a:r>
+              <a:rPr lang="ko-KR" altLang="en-US" sz="2400" dirty="0" smtClean="0"/>
+              <a:t>문제가 있다</a:t>
+            </a:r>
+            <a:r>
+              <a:rPr lang="en-US" altLang="ko-KR" sz="2400" dirty="0" smtClean="0"/>
+              <a:t>.</a:t>
+            </a:r>
+            <a:endParaRPr lang="ko-KR" altLang="en-US" sz="2400" dirty="0"/>
           </a:p>
           <a:p>
             <a:pPr marL="514350" indent="-514350">
@@ -4860,12 +4869,17 @@
             </a:pPr>
             <a:r>
               <a:rPr lang="ko-KR" altLang="en-US" sz="2400" dirty="0"/>
-              <a:t>요청을 남발하면 역으로 서버 부하가 늘 수 있음</a:t>
-            </a:r>
-            <a:r>
-              <a:rPr lang="en-US" altLang="ko-KR" sz="2400" dirty="0"/>
+              <a:t>요청을 남발하면 역으로 서버 부하가 늘 수 </a:t>
+            </a:r>
+            <a:r>
+              <a:rPr lang="ko-KR" altLang="en-US" sz="2400" dirty="0" smtClean="0"/>
+              <a:t>있다</a:t>
+            </a:r>
+            <a:r>
+              <a:rPr lang="en-US" altLang="ko-KR" sz="2400" smtClean="0"/>
               <a:t>.</a:t>
             </a:r>
+            <a:endParaRPr lang="en-US" altLang="ko-KR" sz="2400" dirty="0"/>
           </a:p>
           <a:p>
             <a:pPr>
